--- a/Cardiovascular Mortality Presentation CJK edits.pptx
+++ b/Cardiovascular Mortality Presentation CJK edits.pptx
@@ -218,7 +218,7 @@
           <a:p>
             <a:fld id="{379DA041-9F22-4583-A033-688ED897DD84}" type="datetimeFigureOut">
               <a:rPr lang="en-US" smtClean="0"/>
-              <a:t>8/19/2018</a:t>
+              <a:t>8/21/2018</a:t>
             </a:fld>
             <a:endParaRPr lang="en-US"/>
           </a:p>
@@ -632,7 +632,7 @@
           <a:p>
             <a:fld id="{3EB66871-4E60-40B2-816D-482DF2254817}" type="datetimeFigureOut">
               <a:rPr lang="en-US" smtClean="0"/>
-              <a:t>8/19/2018</a:t>
+              <a:t>8/21/2018</a:t>
             </a:fld>
             <a:endParaRPr lang="en-US"/>
           </a:p>
@@ -830,7 +830,7 @@
           <a:p>
             <a:fld id="{3EB66871-4E60-40B2-816D-482DF2254817}" type="datetimeFigureOut">
               <a:rPr lang="en-US" smtClean="0"/>
-              <a:t>8/19/2018</a:t>
+              <a:t>8/21/2018</a:t>
             </a:fld>
             <a:endParaRPr lang="en-US"/>
           </a:p>
@@ -1038,7 +1038,7 @@
           <a:p>
             <a:fld id="{3EB66871-4E60-40B2-816D-482DF2254817}" type="datetimeFigureOut">
               <a:rPr lang="en-US" smtClean="0"/>
-              <a:t>8/19/2018</a:t>
+              <a:t>8/21/2018</a:t>
             </a:fld>
             <a:endParaRPr lang="en-US"/>
           </a:p>
@@ -1236,7 +1236,7 @@
           <a:p>
             <a:fld id="{3EB66871-4E60-40B2-816D-482DF2254817}" type="datetimeFigureOut">
               <a:rPr lang="en-US" smtClean="0"/>
-              <a:t>8/19/2018</a:t>
+              <a:t>8/21/2018</a:t>
             </a:fld>
             <a:endParaRPr lang="en-US"/>
           </a:p>
@@ -1511,7 +1511,7 @@
           <a:p>
             <a:fld id="{3EB66871-4E60-40B2-816D-482DF2254817}" type="datetimeFigureOut">
               <a:rPr lang="en-US" smtClean="0"/>
-              <a:t>8/19/2018</a:t>
+              <a:t>8/21/2018</a:t>
             </a:fld>
             <a:endParaRPr lang="en-US"/>
           </a:p>
@@ -1776,7 +1776,7 @@
           <a:p>
             <a:fld id="{3EB66871-4E60-40B2-816D-482DF2254817}" type="datetimeFigureOut">
               <a:rPr lang="en-US" smtClean="0"/>
-              <a:t>8/19/2018</a:t>
+              <a:t>8/21/2018</a:t>
             </a:fld>
             <a:endParaRPr lang="en-US"/>
           </a:p>
@@ -2188,7 +2188,7 @@
           <a:p>
             <a:fld id="{3EB66871-4E60-40B2-816D-482DF2254817}" type="datetimeFigureOut">
               <a:rPr lang="en-US" smtClean="0"/>
-              <a:t>8/19/2018</a:t>
+              <a:t>8/21/2018</a:t>
             </a:fld>
             <a:endParaRPr lang="en-US"/>
           </a:p>
@@ -2329,7 +2329,7 @@
           <a:p>
             <a:fld id="{3EB66871-4E60-40B2-816D-482DF2254817}" type="datetimeFigureOut">
               <a:rPr lang="en-US" smtClean="0"/>
-              <a:t>8/19/2018</a:t>
+              <a:t>8/21/2018</a:t>
             </a:fld>
             <a:endParaRPr lang="en-US"/>
           </a:p>
@@ -2442,7 +2442,7 @@
           <a:p>
             <a:fld id="{3EB66871-4E60-40B2-816D-482DF2254817}" type="datetimeFigureOut">
               <a:rPr lang="en-US" smtClean="0"/>
-              <a:t>8/19/2018</a:t>
+              <a:t>8/21/2018</a:t>
             </a:fld>
             <a:endParaRPr lang="en-US"/>
           </a:p>
@@ -2753,7 +2753,7 @@
           <a:p>
             <a:fld id="{3EB66871-4E60-40B2-816D-482DF2254817}" type="datetimeFigureOut">
               <a:rPr lang="en-US" smtClean="0"/>
-              <a:t>8/19/2018</a:t>
+              <a:t>8/21/2018</a:t>
             </a:fld>
             <a:endParaRPr lang="en-US"/>
           </a:p>
@@ -3041,7 +3041,7 @@
           <a:p>
             <a:fld id="{3EB66871-4E60-40B2-816D-482DF2254817}" type="datetimeFigureOut">
               <a:rPr lang="en-US" smtClean="0"/>
-              <a:t>8/19/2018</a:t>
+              <a:t>8/21/2018</a:t>
             </a:fld>
             <a:endParaRPr lang="en-US"/>
           </a:p>
@@ -3282,7 +3282,7 @@
           <a:p>
             <a:fld id="{3EB66871-4E60-40B2-816D-482DF2254817}" type="datetimeFigureOut">
               <a:rPr lang="en-US" smtClean="0"/>
-              <a:t>8/19/2018</a:t>
+              <a:t>8/21/2018</a:t>
             </a:fld>
             <a:endParaRPr lang="en-US"/>
           </a:p>
@@ -4825,10 +4825,15 @@
                 <a:solidFill>
                   <a:prstClr val="black"/>
                 </a:solidFill>
-                <a:latin typeface="Calibri" panose="020F0502020204030204"/>
               </a:rPr>
-              <a:t>Counties in the bottom groups have a wider range of distribution in mortality rate. Making the correlation of mortality rate and income/education level less apparent.</a:t>
-            </a:r>
+              <a:t>Counties in the bottom groups have a wider range of distribution in mortality rate.  This does introduce some questions for our data’s limitations in being predictive of a county’s cardiovascular-related mortality rates.</a:t>
+            </a:r>
+            <a:endParaRPr lang="en-US" sz="1600" dirty="0">
+              <a:solidFill>
+                <a:prstClr val="black"/>
+              </a:solidFill>
+              <a:latin typeface="Calibri" panose="020F0502020204030204"/>
+            </a:endParaRPr>
           </a:p>
         </p:txBody>
       </p:sp>
